--- a/200729 Clinical Trials Analysis_v2.pptx
+++ b/200729 Clinical Trials Analysis_v2.pptx
@@ -5,10 +5,10 @@
     <p:sldMasterId id="2147483815" r:id="rId1"/>
   </p:sldMasterIdLst>
   <p:notesMasterIdLst>
-    <p:notesMasterId r:id="rId23"/>
+    <p:notesMasterId r:id="rId24"/>
   </p:notesMasterIdLst>
   <p:handoutMasterIdLst>
-    <p:handoutMasterId r:id="rId24"/>
+    <p:handoutMasterId r:id="rId25"/>
   </p:handoutMasterIdLst>
   <p:sldIdLst>
     <p:sldId id="256" r:id="rId2"/>
@@ -31,7 +31,8 @@
     <p:sldId id="292" r:id="rId19"/>
     <p:sldId id="269" r:id="rId20"/>
     <p:sldId id="270" r:id="rId21"/>
-    <p:sldId id="287" r:id="rId22"/>
+    <p:sldId id="293" r:id="rId22"/>
+    <p:sldId id="287" r:id="rId23"/>
   </p:sldIdLst>
   <p:sldSz cx="9144000" cy="6858000" type="screen4x3"/>
   <p:notesSz cx="6858000" cy="9144000"/>
@@ -3176,105 +3177,6 @@
           <a:bodyPr/>
           <a:lstStyle/>
           <a:p>
-            <a:pPr rtl="0" fontAlgn="base"/>
-            <a:r>
-              <a:rPr lang="en-US" sz="1200" b="0" i="0" u="sng" strike="noStrike" kern="1200" dirty="0">
-                <a:solidFill>
-                  <a:schemeClr val="tx1"/>
-                </a:solidFill>
-                <a:effectLst/>
-                <a:latin typeface="+mn-lt"/>
-                <a:ea typeface="+mn-ea"/>
-                <a:cs typeface="+mn-cs"/>
-                <a:hlinkClick r:id="rId3"/>
-              </a:rPr>
-              <a:t>https://nwhn.org/does-covid-19-affect-women-differently-than-men-heres-what-we-know/</a:t>
-            </a:r>
-            <a:r>
-              <a:rPr lang="en-US" sz="1200" b="0" i="0" kern="1200" dirty="0">
-                <a:solidFill>
-                  <a:schemeClr val="tx1"/>
-                </a:solidFill>
-                <a:effectLst/>
-                <a:latin typeface="+mn-lt"/>
-                <a:ea typeface="+mn-ea"/>
-                <a:cs typeface="+mn-cs"/>
-              </a:rPr>
-              <a:t> </a:t>
-            </a:r>
-          </a:p>
-          <a:p>
-            <a:pPr rtl="0" fontAlgn="base"/>
-            <a:r>
-              <a:rPr lang="en-US" sz="1200" b="0" i="0" u="sng" strike="noStrike" kern="1200" dirty="0">
-                <a:solidFill>
-                  <a:schemeClr val="tx1"/>
-                </a:solidFill>
-                <a:effectLst/>
-                <a:latin typeface="+mn-lt"/>
-                <a:ea typeface="+mn-ea"/>
-                <a:cs typeface="+mn-cs"/>
-                <a:hlinkClick r:id="rId4"/>
-              </a:rPr>
-              <a:t>https://www.npr.org/sections/goatsandsoda/2020/04/10/831883664/the-new-coronavirus-appears-to-take-a-greater-toll-on-men-than-on-women</a:t>
-            </a:r>
-            <a:r>
-              <a:rPr lang="en-US" sz="1200" b="0" i="0" kern="1200" dirty="0">
-                <a:solidFill>
-                  <a:schemeClr val="tx1"/>
-                </a:solidFill>
-                <a:effectLst/>
-                <a:latin typeface="+mn-lt"/>
-                <a:ea typeface="+mn-ea"/>
-                <a:cs typeface="+mn-cs"/>
-              </a:rPr>
-              <a:t> </a:t>
-            </a:r>
-          </a:p>
-          <a:p>
-            <a:pPr rtl="0" fontAlgn="base"/>
-            <a:r>
-              <a:rPr lang="en-US" sz="1200" b="0" i="0" u="sng" strike="noStrike" kern="1200" dirty="0">
-                <a:solidFill>
-                  <a:schemeClr val="tx1"/>
-                </a:solidFill>
-                <a:effectLst/>
-                <a:latin typeface="+mn-lt"/>
-                <a:ea typeface="+mn-ea"/>
-                <a:cs typeface="+mn-cs"/>
-                <a:hlinkClick r:id="rId5"/>
-              </a:rPr>
-              <a:t>https://www.bbc.com/future/article/20200409-why-covid-19-is-different-for-men-and-women</a:t>
-            </a:r>
-            <a:r>
-              <a:rPr lang="en-US" sz="1200" b="0" i="0" kern="1200" dirty="0">
-                <a:solidFill>
-                  <a:schemeClr val="tx1"/>
-                </a:solidFill>
-                <a:effectLst/>
-                <a:latin typeface="+mn-lt"/>
-                <a:ea typeface="+mn-ea"/>
-                <a:cs typeface="+mn-cs"/>
-              </a:rPr>
-              <a:t> </a:t>
-            </a:r>
-          </a:p>
-          <a:p>
-            <a:pPr rtl="0" fontAlgn="base"/>
-            <a:r>
-              <a:rPr lang="en-US" sz="1200" b="0" i="0" kern="1200" dirty="0">
-                <a:solidFill>
-                  <a:schemeClr val="tx1"/>
-                </a:solidFill>
-                <a:effectLst/>
-                <a:latin typeface="+mn-lt"/>
-                <a:ea typeface="+mn-ea"/>
-                <a:cs typeface="+mn-cs"/>
-              </a:rPr>
-              <a:t> </a:t>
-            </a:r>
-          </a:p>
-          <a:p>
             <a:endParaRPr lang="en-US" dirty="0"/>
           </a:p>
         </p:txBody>
@@ -3294,9 +3196,9 @@
           <a:bodyPr/>
           <a:lstStyle/>
           <a:p>
-            <a:fld id="{3EFC6398-4196-7747-A2B3-D303C4EB4FF2}" type="slidenum">
+            <a:fld id="{3E97673E-4CEC-4C16-BB90-554F43A36920}" type="slidenum">
               <a:rPr lang="en-US" smtClean="0"/>
-              <a:t>6</a:t>
+              <a:t>1</a:t>
             </a:fld>
             <a:endParaRPr lang="en-US"/>
           </a:p>
@@ -3305,7 +3207,7 @@
     </p:spTree>
     <p:extLst>
       <p:ext uri="{BB962C8B-B14F-4D97-AF65-F5344CB8AC3E}">
-        <p14:creationId xmlns:p14="http://schemas.microsoft.com/office/powerpoint/2010/main" val="2625645923"/>
+        <p14:creationId xmlns:p14="http://schemas.microsoft.com/office/powerpoint/2010/main" val="3183285947"/>
       </p:ext>
     </p:extLst>
   </p:cSld>
@@ -3359,105 +3261,6 @@
           <a:bodyPr/>
           <a:lstStyle/>
           <a:p>
-            <a:pPr rtl="0" fontAlgn="base"/>
-            <a:r>
-              <a:rPr lang="en-US" sz="1200" b="0" i="0" u="sng" strike="noStrike" kern="1200" dirty="0">
-                <a:solidFill>
-                  <a:schemeClr val="tx1"/>
-                </a:solidFill>
-                <a:effectLst/>
-                <a:latin typeface="+mn-lt"/>
-                <a:ea typeface="+mn-ea"/>
-                <a:cs typeface="+mn-cs"/>
-                <a:hlinkClick r:id="rId3"/>
-              </a:rPr>
-              <a:t>https://nwhn.org/does-covid-19-affect-women-differently-than-men-heres-what-we-know/</a:t>
-            </a:r>
-            <a:r>
-              <a:rPr lang="en-US" sz="1200" b="0" i="0" kern="1200" dirty="0">
-                <a:solidFill>
-                  <a:schemeClr val="tx1"/>
-                </a:solidFill>
-                <a:effectLst/>
-                <a:latin typeface="+mn-lt"/>
-                <a:ea typeface="+mn-ea"/>
-                <a:cs typeface="+mn-cs"/>
-              </a:rPr>
-              <a:t> </a:t>
-            </a:r>
-          </a:p>
-          <a:p>
-            <a:pPr rtl="0" fontAlgn="base"/>
-            <a:r>
-              <a:rPr lang="en-US" sz="1200" b="0" i="0" u="sng" strike="noStrike" kern="1200" dirty="0">
-                <a:solidFill>
-                  <a:schemeClr val="tx1"/>
-                </a:solidFill>
-                <a:effectLst/>
-                <a:latin typeface="+mn-lt"/>
-                <a:ea typeface="+mn-ea"/>
-                <a:cs typeface="+mn-cs"/>
-                <a:hlinkClick r:id="rId4"/>
-              </a:rPr>
-              <a:t>https://www.npr.org/sections/goatsandsoda/2020/04/10/831883664/the-new-coronavirus-appears-to-take-a-greater-toll-on-men-than-on-women</a:t>
-            </a:r>
-            <a:r>
-              <a:rPr lang="en-US" sz="1200" b="0" i="0" kern="1200" dirty="0">
-                <a:solidFill>
-                  <a:schemeClr val="tx1"/>
-                </a:solidFill>
-                <a:effectLst/>
-                <a:latin typeface="+mn-lt"/>
-                <a:ea typeface="+mn-ea"/>
-                <a:cs typeface="+mn-cs"/>
-              </a:rPr>
-              <a:t> </a:t>
-            </a:r>
-          </a:p>
-          <a:p>
-            <a:pPr rtl="0" fontAlgn="base"/>
-            <a:r>
-              <a:rPr lang="en-US" sz="1200" b="0" i="0" u="sng" strike="noStrike" kern="1200" dirty="0">
-                <a:solidFill>
-                  <a:schemeClr val="tx1"/>
-                </a:solidFill>
-                <a:effectLst/>
-                <a:latin typeface="+mn-lt"/>
-                <a:ea typeface="+mn-ea"/>
-                <a:cs typeface="+mn-cs"/>
-                <a:hlinkClick r:id="rId5"/>
-              </a:rPr>
-              <a:t>https://www.bbc.com/future/article/20200409-why-covid-19-is-different-for-men-and-women</a:t>
-            </a:r>
-            <a:r>
-              <a:rPr lang="en-US" sz="1200" b="0" i="0" kern="1200" dirty="0">
-                <a:solidFill>
-                  <a:schemeClr val="tx1"/>
-                </a:solidFill>
-                <a:effectLst/>
-                <a:latin typeface="+mn-lt"/>
-                <a:ea typeface="+mn-ea"/>
-                <a:cs typeface="+mn-cs"/>
-              </a:rPr>
-              <a:t> </a:t>
-            </a:r>
-          </a:p>
-          <a:p>
-            <a:pPr rtl="0" fontAlgn="base"/>
-            <a:r>
-              <a:rPr lang="en-US" sz="1200" b="0" i="0" kern="1200" dirty="0">
-                <a:solidFill>
-                  <a:schemeClr val="tx1"/>
-                </a:solidFill>
-                <a:effectLst/>
-                <a:latin typeface="+mn-lt"/>
-                <a:ea typeface="+mn-ea"/>
-                <a:cs typeface="+mn-cs"/>
-              </a:rPr>
-              <a:t> </a:t>
-            </a:r>
-          </a:p>
-          <a:p>
             <a:endParaRPr lang="en-US" dirty="0"/>
           </a:p>
         </p:txBody>
@@ -3477,9 +3280,9 @@
           <a:bodyPr/>
           <a:lstStyle/>
           <a:p>
-            <a:fld id="{3EFC6398-4196-7747-A2B3-D303C4EB4FF2}" type="slidenum">
+            <a:fld id="{3E97673E-4CEC-4C16-BB90-554F43A36920}" type="slidenum">
               <a:rPr lang="en-US" smtClean="0"/>
-              <a:t>9</a:t>
+              <a:t>2</a:t>
             </a:fld>
             <a:endParaRPr lang="en-US"/>
           </a:p>
@@ -3488,7 +3291,7 @@
     </p:spTree>
     <p:extLst>
       <p:ext uri="{BB962C8B-B14F-4D97-AF65-F5344CB8AC3E}">
-        <p14:creationId xmlns:p14="http://schemas.microsoft.com/office/powerpoint/2010/main" val="1263479281"/>
+        <p14:creationId xmlns:p14="http://schemas.microsoft.com/office/powerpoint/2010/main" val="430211374"/>
       </p:ext>
     </p:extLst>
   </p:cSld>
@@ -3542,6 +3345,90 @@
           <a:bodyPr/>
           <a:lstStyle/>
           <a:p>
+            <a:endParaRPr lang="en-US" dirty="0"/>
+          </a:p>
+        </p:txBody>
+      </p:sp>
+      <p:sp>
+        <p:nvSpPr>
+          <p:cNvPr id="4" name="Slide Number Placeholder 3"/>
+          <p:cNvSpPr>
+            <a:spLocks noGrp="1"/>
+          </p:cNvSpPr>
+          <p:nvPr>
+            <p:ph type="sldNum" sz="quarter" idx="5"/>
+          </p:nvPr>
+        </p:nvSpPr>
+        <p:spPr/>
+        <p:txBody>
+          <a:bodyPr/>
+          <a:lstStyle/>
+          <a:p>
+            <a:fld id="{3E97673E-4CEC-4C16-BB90-554F43A36920}" type="slidenum">
+              <a:rPr lang="en-US" smtClean="0"/>
+              <a:t>3</a:t>
+            </a:fld>
+            <a:endParaRPr lang="en-US"/>
+          </a:p>
+        </p:txBody>
+      </p:sp>
+    </p:spTree>
+    <p:extLst>
+      <p:ext uri="{BB962C8B-B14F-4D97-AF65-F5344CB8AC3E}">
+        <p14:creationId xmlns:p14="http://schemas.microsoft.com/office/powerpoint/2010/main" val="2130127412"/>
+      </p:ext>
+    </p:extLst>
+  </p:cSld>
+  <p:clrMapOvr>
+    <a:masterClrMapping/>
+  </p:clrMapOvr>
+</p:notes>
+</file>
+
+<file path=ppt/notesSlides/notesSlide4.xml><?xml version="1.0" encoding="utf-8"?>
+<p:notes xmlns:a="http://schemas.openxmlformats.org/drawingml/2006/main" xmlns:r="http://schemas.openxmlformats.org/officeDocument/2006/relationships" xmlns:p="http://schemas.openxmlformats.org/presentationml/2006/main">
+  <p:cSld>
+    <p:spTree>
+      <p:nvGrpSpPr>
+        <p:cNvPr id="1" name=""/>
+        <p:cNvGrpSpPr/>
+        <p:nvPr/>
+      </p:nvGrpSpPr>
+      <p:grpSpPr>
+        <a:xfrm>
+          <a:off x="0" y="0"/>
+          <a:ext cx="0" cy="0"/>
+          <a:chOff x="0" y="0"/>
+          <a:chExt cx="0" cy="0"/>
+        </a:xfrm>
+      </p:grpSpPr>
+      <p:sp>
+        <p:nvSpPr>
+          <p:cNvPr id="2" name="Slide Image Placeholder 1"/>
+          <p:cNvSpPr>
+            <a:spLocks noGrp="1" noRot="1" noChangeAspect="1"/>
+          </p:cNvSpPr>
+          <p:nvPr>
+            <p:ph type="sldImg"/>
+          </p:nvPr>
+        </p:nvSpPr>
+        <p:spPr/>
+      </p:sp>
+      <p:sp>
+        <p:nvSpPr>
+          <p:cNvPr id="3" name="Notes Placeholder 2"/>
+          <p:cNvSpPr>
+            <a:spLocks noGrp="1"/>
+          </p:cNvSpPr>
+          <p:nvPr>
+            <p:ph type="body" idx="1"/>
+          </p:nvPr>
+        </p:nvSpPr>
+        <p:spPr/>
+        <p:txBody>
+          <a:bodyPr/>
+          <a:lstStyle/>
+          <a:p>
             <a:pPr rtl="0" fontAlgn="base"/>
             <a:r>
               <a:rPr lang="en-US" sz="1200" b="0" i="0" u="sng" strike="noStrike" kern="1200" dirty="0">
@@ -3640,6 +3527,273 @@
               <a:t> </a:t>
             </a:r>
           </a:p>
+          <a:p>
+            <a:endParaRPr lang="en-US" dirty="0"/>
+          </a:p>
+        </p:txBody>
+      </p:sp>
+      <p:sp>
+        <p:nvSpPr>
+          <p:cNvPr id="4" name="Slide Number Placeholder 3"/>
+          <p:cNvSpPr>
+            <a:spLocks noGrp="1"/>
+          </p:cNvSpPr>
+          <p:nvPr>
+            <p:ph type="sldNum" sz="quarter" idx="5"/>
+          </p:nvPr>
+        </p:nvSpPr>
+        <p:spPr/>
+        <p:txBody>
+          <a:bodyPr/>
+          <a:lstStyle/>
+          <a:p>
+            <a:fld id="{3EFC6398-4196-7747-A2B3-D303C4EB4FF2}" type="slidenum">
+              <a:rPr lang="en-US" smtClean="0"/>
+              <a:t>6</a:t>
+            </a:fld>
+            <a:endParaRPr lang="en-US"/>
+          </a:p>
+        </p:txBody>
+      </p:sp>
+    </p:spTree>
+    <p:extLst>
+      <p:ext uri="{BB962C8B-B14F-4D97-AF65-F5344CB8AC3E}">
+        <p14:creationId xmlns:p14="http://schemas.microsoft.com/office/powerpoint/2010/main" val="2625645923"/>
+      </p:ext>
+    </p:extLst>
+  </p:cSld>
+  <p:clrMapOvr>
+    <a:masterClrMapping/>
+  </p:clrMapOvr>
+</p:notes>
+</file>
+
+<file path=ppt/notesSlides/notesSlide5.xml><?xml version="1.0" encoding="utf-8"?>
+<p:notes xmlns:a="http://schemas.openxmlformats.org/drawingml/2006/main" xmlns:r="http://schemas.openxmlformats.org/officeDocument/2006/relationships" xmlns:p="http://schemas.openxmlformats.org/presentationml/2006/main">
+  <p:cSld>
+    <p:spTree>
+      <p:nvGrpSpPr>
+        <p:cNvPr id="1" name=""/>
+        <p:cNvGrpSpPr/>
+        <p:nvPr/>
+      </p:nvGrpSpPr>
+      <p:grpSpPr>
+        <a:xfrm>
+          <a:off x="0" y="0"/>
+          <a:ext cx="0" cy="0"/>
+          <a:chOff x="0" y="0"/>
+          <a:chExt cx="0" cy="0"/>
+        </a:xfrm>
+      </p:grpSpPr>
+      <p:sp>
+        <p:nvSpPr>
+          <p:cNvPr id="2" name="Slide Image Placeholder 1"/>
+          <p:cNvSpPr>
+            <a:spLocks noGrp="1" noRot="1" noChangeAspect="1"/>
+          </p:cNvSpPr>
+          <p:nvPr>
+            <p:ph type="sldImg"/>
+          </p:nvPr>
+        </p:nvSpPr>
+        <p:spPr/>
+      </p:sp>
+      <p:sp>
+        <p:nvSpPr>
+          <p:cNvPr id="3" name="Notes Placeholder 2"/>
+          <p:cNvSpPr>
+            <a:spLocks noGrp="1"/>
+          </p:cNvSpPr>
+          <p:nvPr>
+            <p:ph type="body" idx="1"/>
+          </p:nvPr>
+        </p:nvSpPr>
+        <p:spPr/>
+        <p:txBody>
+          <a:bodyPr/>
+          <a:lstStyle/>
+          <a:p>
+            <a:pPr rtl="0" fontAlgn="base"/>
+            <a:r>
+              <a:rPr lang="en-US" sz="1200" b="0" i="0" u="sng" strike="noStrike" kern="1200" dirty="0">
+                <a:solidFill>
+                  <a:schemeClr val="tx1"/>
+                </a:solidFill>
+                <a:effectLst/>
+                <a:latin typeface="+mn-lt"/>
+                <a:ea typeface="+mn-ea"/>
+                <a:cs typeface="+mn-cs"/>
+                <a:hlinkClick r:id="rId3"/>
+              </a:rPr>
+              <a:t>https://nwhn.org/does-covid-19-affect-women-differently-than-men-heres-what-we-know/</a:t>
+            </a:r>
+            <a:r>
+              <a:rPr lang="en-US" sz="1200" b="0" i="0" kern="1200" dirty="0">
+                <a:solidFill>
+                  <a:schemeClr val="tx1"/>
+                </a:solidFill>
+                <a:effectLst/>
+                <a:latin typeface="+mn-lt"/>
+                <a:ea typeface="+mn-ea"/>
+                <a:cs typeface="+mn-cs"/>
+              </a:rPr>
+              <a:t> </a:t>
+            </a:r>
+          </a:p>
+          <a:p>
+            <a:pPr rtl="0" fontAlgn="base"/>
+            <a:r>
+              <a:rPr lang="en-US" sz="1200" b="0" i="0" u="sng" strike="noStrike" kern="1200" dirty="0">
+                <a:solidFill>
+                  <a:schemeClr val="tx1"/>
+                </a:solidFill>
+                <a:effectLst/>
+                <a:latin typeface="+mn-lt"/>
+                <a:ea typeface="+mn-ea"/>
+                <a:cs typeface="+mn-cs"/>
+                <a:hlinkClick r:id="rId4"/>
+              </a:rPr>
+              <a:t>https://www.npr.org/sections/goatsandsoda/2020/04/10/831883664/the-new-coronavirus-appears-to-take-a-greater-toll-on-men-than-on-women</a:t>
+            </a:r>
+            <a:r>
+              <a:rPr lang="en-US" sz="1200" b="0" i="0" kern="1200" dirty="0">
+                <a:solidFill>
+                  <a:schemeClr val="tx1"/>
+                </a:solidFill>
+                <a:effectLst/>
+                <a:latin typeface="+mn-lt"/>
+                <a:ea typeface="+mn-ea"/>
+                <a:cs typeface="+mn-cs"/>
+              </a:rPr>
+              <a:t> </a:t>
+            </a:r>
+          </a:p>
+          <a:p>
+            <a:pPr rtl="0" fontAlgn="base"/>
+            <a:r>
+              <a:rPr lang="en-US" sz="1200" b="0" i="0" u="sng" strike="noStrike" kern="1200" dirty="0">
+                <a:solidFill>
+                  <a:schemeClr val="tx1"/>
+                </a:solidFill>
+                <a:effectLst/>
+                <a:latin typeface="+mn-lt"/>
+                <a:ea typeface="+mn-ea"/>
+                <a:cs typeface="+mn-cs"/>
+                <a:hlinkClick r:id="rId5"/>
+              </a:rPr>
+              <a:t>https://www.bbc.com/future/article/20200409-why-covid-19-is-different-for-men-and-women</a:t>
+            </a:r>
+            <a:r>
+              <a:rPr lang="en-US" sz="1200" b="0" i="0" kern="1200" dirty="0">
+                <a:solidFill>
+                  <a:schemeClr val="tx1"/>
+                </a:solidFill>
+                <a:effectLst/>
+                <a:latin typeface="+mn-lt"/>
+                <a:ea typeface="+mn-ea"/>
+                <a:cs typeface="+mn-cs"/>
+              </a:rPr>
+              <a:t> </a:t>
+            </a:r>
+          </a:p>
+          <a:p>
+            <a:pPr rtl="0" fontAlgn="base"/>
+            <a:r>
+              <a:rPr lang="en-US" sz="1200" b="0" i="0" kern="1200" dirty="0">
+                <a:solidFill>
+                  <a:schemeClr val="tx1"/>
+                </a:solidFill>
+                <a:effectLst/>
+                <a:latin typeface="+mn-lt"/>
+                <a:ea typeface="+mn-ea"/>
+                <a:cs typeface="+mn-cs"/>
+              </a:rPr>
+              <a:t> </a:t>
+            </a:r>
+          </a:p>
+          <a:p>
+            <a:endParaRPr lang="en-US" dirty="0"/>
+          </a:p>
+        </p:txBody>
+      </p:sp>
+      <p:sp>
+        <p:nvSpPr>
+          <p:cNvPr id="4" name="Slide Number Placeholder 3"/>
+          <p:cNvSpPr>
+            <a:spLocks noGrp="1"/>
+          </p:cNvSpPr>
+          <p:nvPr>
+            <p:ph type="sldNum" sz="quarter" idx="5"/>
+          </p:nvPr>
+        </p:nvSpPr>
+        <p:spPr/>
+        <p:txBody>
+          <a:bodyPr/>
+          <a:lstStyle/>
+          <a:p>
+            <a:fld id="{3EFC6398-4196-7747-A2B3-D303C4EB4FF2}" type="slidenum">
+              <a:rPr lang="en-US" smtClean="0"/>
+              <a:t>9</a:t>
+            </a:fld>
+            <a:endParaRPr lang="en-US"/>
+          </a:p>
+        </p:txBody>
+      </p:sp>
+    </p:spTree>
+    <p:extLst>
+      <p:ext uri="{BB962C8B-B14F-4D97-AF65-F5344CB8AC3E}">
+        <p14:creationId xmlns:p14="http://schemas.microsoft.com/office/powerpoint/2010/main" val="1263479281"/>
+      </p:ext>
+    </p:extLst>
+  </p:cSld>
+  <p:clrMapOvr>
+    <a:masterClrMapping/>
+  </p:clrMapOvr>
+</p:notes>
+</file>
+
+<file path=ppt/notesSlides/notesSlide6.xml><?xml version="1.0" encoding="utf-8"?>
+<p:notes xmlns:a="http://schemas.openxmlformats.org/drawingml/2006/main" xmlns:r="http://schemas.openxmlformats.org/officeDocument/2006/relationships" xmlns:p="http://schemas.openxmlformats.org/presentationml/2006/main">
+  <p:cSld>
+    <p:spTree>
+      <p:nvGrpSpPr>
+        <p:cNvPr id="1" name=""/>
+        <p:cNvGrpSpPr/>
+        <p:nvPr/>
+      </p:nvGrpSpPr>
+      <p:grpSpPr>
+        <a:xfrm>
+          <a:off x="0" y="0"/>
+          <a:ext cx="0" cy="0"/>
+          <a:chOff x="0" y="0"/>
+          <a:chExt cx="0" cy="0"/>
+        </a:xfrm>
+      </p:grpSpPr>
+      <p:sp>
+        <p:nvSpPr>
+          <p:cNvPr id="2" name="Slide Image Placeholder 1"/>
+          <p:cNvSpPr>
+            <a:spLocks noGrp="1" noRot="1" noChangeAspect="1"/>
+          </p:cNvSpPr>
+          <p:nvPr>
+            <p:ph type="sldImg"/>
+          </p:nvPr>
+        </p:nvSpPr>
+        <p:spPr/>
+      </p:sp>
+      <p:sp>
+        <p:nvSpPr>
+          <p:cNvPr id="3" name="Notes Placeholder 2"/>
+          <p:cNvSpPr>
+            <a:spLocks noGrp="1"/>
+          </p:cNvSpPr>
+          <p:nvPr>
+            <p:ph type="body" idx="1"/>
+          </p:nvPr>
+        </p:nvSpPr>
+        <p:spPr/>
+        <p:txBody>
+          <a:bodyPr/>
+          <a:lstStyle/>
           <a:p>
             <a:endParaRPr lang="en-US" dirty="0"/>
           </a:p>
@@ -3681,7 +3835,183 @@
 </p:notes>
 </file>
 
-<file path=ppt/notesSlides/notesSlide4.xml><?xml version="1.0" encoding="utf-8"?>
+<file path=ppt/notesSlides/notesSlide7.xml><?xml version="1.0" encoding="utf-8"?>
+<p:notes xmlns:a="http://schemas.openxmlformats.org/drawingml/2006/main" xmlns:r="http://schemas.openxmlformats.org/officeDocument/2006/relationships" xmlns:p="http://schemas.openxmlformats.org/presentationml/2006/main">
+  <p:cSld>
+    <p:spTree>
+      <p:nvGrpSpPr>
+        <p:cNvPr id="1" name=""/>
+        <p:cNvGrpSpPr/>
+        <p:nvPr/>
+      </p:nvGrpSpPr>
+      <p:grpSpPr>
+        <a:xfrm>
+          <a:off x="0" y="0"/>
+          <a:ext cx="0" cy="0"/>
+          <a:chOff x="0" y="0"/>
+          <a:chExt cx="0" cy="0"/>
+        </a:xfrm>
+      </p:grpSpPr>
+      <p:sp>
+        <p:nvSpPr>
+          <p:cNvPr id="2" name="Slide Image Placeholder 1"/>
+          <p:cNvSpPr>
+            <a:spLocks noGrp="1" noRot="1" noChangeAspect="1"/>
+          </p:cNvSpPr>
+          <p:nvPr>
+            <p:ph type="sldImg"/>
+          </p:nvPr>
+        </p:nvSpPr>
+        <p:spPr/>
+      </p:sp>
+      <p:sp>
+        <p:nvSpPr>
+          <p:cNvPr id="3" name="Notes Placeholder 2"/>
+          <p:cNvSpPr>
+            <a:spLocks noGrp="1"/>
+          </p:cNvSpPr>
+          <p:nvPr>
+            <p:ph type="body" idx="1"/>
+          </p:nvPr>
+        </p:nvSpPr>
+        <p:spPr/>
+        <p:txBody>
+          <a:bodyPr/>
+          <a:lstStyle/>
+          <a:p>
+            <a:endParaRPr lang="en-US" sz="1200" b="0" i="0" kern="1200" dirty="0">
+              <a:solidFill>
+                <a:schemeClr val="tx1"/>
+              </a:solidFill>
+              <a:effectLst/>
+              <a:latin typeface="+mn-lt"/>
+              <a:ea typeface="+mn-ea"/>
+              <a:cs typeface="+mn-cs"/>
+            </a:endParaRPr>
+          </a:p>
+        </p:txBody>
+      </p:sp>
+      <p:sp>
+        <p:nvSpPr>
+          <p:cNvPr id="4" name="Slide Number Placeholder 3"/>
+          <p:cNvSpPr>
+            <a:spLocks noGrp="1"/>
+          </p:cNvSpPr>
+          <p:nvPr>
+            <p:ph type="sldNum" sz="quarter" idx="5"/>
+          </p:nvPr>
+        </p:nvSpPr>
+        <p:spPr/>
+        <p:txBody>
+          <a:bodyPr/>
+          <a:lstStyle/>
+          <a:p>
+            <a:fld id="{3E97673E-4CEC-4C16-BB90-554F43A36920}" type="slidenum">
+              <a:rPr lang="en-US" smtClean="0"/>
+              <a:t>13</a:t>
+            </a:fld>
+            <a:endParaRPr lang="en-US"/>
+          </a:p>
+        </p:txBody>
+      </p:sp>
+    </p:spTree>
+    <p:extLst>
+      <p:ext uri="{BB962C8B-B14F-4D97-AF65-F5344CB8AC3E}">
+        <p14:creationId xmlns:p14="http://schemas.microsoft.com/office/powerpoint/2010/main" val="4016692428"/>
+      </p:ext>
+    </p:extLst>
+  </p:cSld>
+  <p:clrMapOvr>
+    <a:masterClrMapping/>
+  </p:clrMapOvr>
+</p:notes>
+</file>
+
+<file path=ppt/notesSlides/notesSlide8.xml><?xml version="1.0" encoding="utf-8"?>
+<p:notes xmlns:a="http://schemas.openxmlformats.org/drawingml/2006/main" xmlns:r="http://schemas.openxmlformats.org/officeDocument/2006/relationships" xmlns:p="http://schemas.openxmlformats.org/presentationml/2006/main">
+  <p:cSld>
+    <p:spTree>
+      <p:nvGrpSpPr>
+        <p:cNvPr id="1" name=""/>
+        <p:cNvGrpSpPr/>
+        <p:nvPr/>
+      </p:nvGrpSpPr>
+      <p:grpSpPr>
+        <a:xfrm>
+          <a:off x="0" y="0"/>
+          <a:ext cx="0" cy="0"/>
+          <a:chOff x="0" y="0"/>
+          <a:chExt cx="0" cy="0"/>
+        </a:xfrm>
+      </p:grpSpPr>
+      <p:sp>
+        <p:nvSpPr>
+          <p:cNvPr id="2" name="Slide Image Placeholder 1"/>
+          <p:cNvSpPr>
+            <a:spLocks noGrp="1" noRot="1" noChangeAspect="1"/>
+          </p:cNvSpPr>
+          <p:nvPr>
+            <p:ph type="sldImg"/>
+          </p:nvPr>
+        </p:nvSpPr>
+        <p:spPr/>
+      </p:sp>
+      <p:sp>
+        <p:nvSpPr>
+          <p:cNvPr id="3" name="Notes Placeholder 2"/>
+          <p:cNvSpPr>
+            <a:spLocks noGrp="1"/>
+          </p:cNvSpPr>
+          <p:nvPr>
+            <p:ph type="body" idx="1"/>
+          </p:nvPr>
+        </p:nvSpPr>
+        <p:spPr/>
+        <p:txBody>
+          <a:bodyPr/>
+          <a:lstStyle/>
+          <a:p>
+            <a:endParaRPr lang="en-US" dirty="0"/>
+          </a:p>
+        </p:txBody>
+      </p:sp>
+      <p:sp>
+        <p:nvSpPr>
+          <p:cNvPr id="4" name="Slide Number Placeholder 3"/>
+          <p:cNvSpPr>
+            <a:spLocks noGrp="1"/>
+          </p:cNvSpPr>
+          <p:nvPr>
+            <p:ph type="sldNum" sz="quarter" idx="5"/>
+          </p:nvPr>
+        </p:nvSpPr>
+        <p:spPr/>
+        <p:txBody>
+          <a:bodyPr/>
+          <a:lstStyle/>
+          <a:p>
+            <a:fld id="{3E97673E-4CEC-4C16-BB90-554F43A36920}" type="slidenum">
+              <a:rPr lang="en-US" smtClean="0"/>
+              <a:t>14</a:t>
+            </a:fld>
+            <a:endParaRPr lang="en-US"/>
+          </a:p>
+        </p:txBody>
+      </p:sp>
+    </p:spTree>
+    <p:extLst>
+      <p:ext uri="{BB962C8B-B14F-4D97-AF65-F5344CB8AC3E}">
+        <p14:creationId xmlns:p14="http://schemas.microsoft.com/office/powerpoint/2010/main" val="2425359021"/>
+      </p:ext>
+    </p:extLst>
+  </p:cSld>
+  <p:clrMapOvr>
+    <a:masterClrMapping/>
+  </p:clrMapOvr>
+</p:notes>
+</file>
+
+<file path=ppt/notesSlides/notesSlide9.xml><?xml version="1.0" encoding="utf-8"?>
 <p:notes xmlns:a="http://schemas.openxmlformats.org/drawingml/2006/main" xmlns:r="http://schemas.openxmlformats.org/officeDocument/2006/relationships" xmlns:p="http://schemas.openxmlformats.org/presentationml/2006/main">
   <p:cSld>
     <p:spTree>
@@ -7865,12 +8195,16 @@
             <a:br>
               <a:rPr lang="en-US" sz="3200" dirty="0"/>
             </a:br>
+            <a:r>
+              <a:rPr lang="en-US" sz="3200" dirty="0"/>
+              <a:t>Project 1:</a:t>
+            </a:r>
             <a:br>
               <a:rPr lang="en-US" sz="3200" dirty="0"/>
             </a:br>
             <a:r>
               <a:rPr lang="en-US" sz="3200" dirty="0"/>
-              <a:t>Clinical trials analysis</a:t>
+              <a:t>Covid-19 clinical trials analysis</a:t>
             </a:r>
           </a:p>
         </p:txBody>
@@ -7960,7 +8294,7 @@
           <p:nvPr/>
         </p:nvPicPr>
         <p:blipFill>
-          <a:blip r:embed="rId2"/>
+          <a:blip r:embed="rId3"/>
           <a:stretch>
             <a:fillRect/>
           </a:stretch>
@@ -8925,7 +9259,7 @@
           <a:p>
             <a:r>
               <a:rPr lang="en-US" sz="2800" dirty="0"/>
-              <a:t>Analysis 3: Analysis of collaboration across the healthcare ecosystem based on sponsor types and clinical trial location dynamics</a:t>
+              <a:t>Analysis 3: Measuring the types of organizations conducting clinical trials and collaboration</a:t>
             </a:r>
           </a:p>
         </p:txBody>
@@ -9321,7 +9655,7 @@
           <a:p>
             <a:r>
               <a:rPr lang="en-US" sz="2800" dirty="0"/>
-              <a:t>Analysis 3: The average number of locations per trial and the status of trial sites </a:t>
+              <a:t>Analysis 3: The types of organizations who are running clinical trials</a:t>
             </a:r>
           </a:p>
         </p:txBody>
@@ -9612,7 +9946,7 @@
           <p:nvPr/>
         </p:nvPicPr>
         <p:blipFill>
-          <a:blip r:embed="rId2">
+          <a:blip r:embed="rId3">
             <a:extLst>
               <a:ext uri="{28A0092B-C50C-407E-A947-70E740481C1C}">
                 <a14:useLocalDpi xmlns:a14="http://schemas.microsoft.com/office/drawing/2010/main" val="0"/>
@@ -9725,8 +10059,20 @@
               <a:buNone/>
             </a:pPr>
             <a:r>
+              <a:rPr lang="en-US" sz="1600" b="1" dirty="0"/>
+              <a:t>83% of COVID trials </a:t>
+            </a:r>
+            <a:r>
               <a:rPr lang="en-US" sz="1600" dirty="0"/>
-              <a:t>83% of COVID trials are taking place at one location, with a long tail of several outliers</a:t>
+              <a:t>are taking place at </a:t>
+            </a:r>
+            <a:r>
+              <a:rPr lang="en-US" sz="1600" b="1" dirty="0"/>
+              <a:t>one location</a:t>
+            </a:r>
+            <a:r>
+              <a:rPr lang="en-US" sz="1600" dirty="0"/>
+              <a:t>, with a long tail of several outliers</a:t>
             </a:r>
           </a:p>
         </p:txBody>
@@ -9858,7 +10204,7 @@
           <p:nvPr/>
         </p:nvPicPr>
         <p:blipFill>
-          <a:blip r:embed="rId2">
+          <a:blip r:embed="rId3">
             <a:extLst>
               <a:ext uri="{28A0092B-C50C-407E-A947-70E740481C1C}">
                 <a14:useLocalDpi xmlns:a14="http://schemas.microsoft.com/office/drawing/2010/main" val="0"/>
@@ -9894,7 +10240,7 @@
           <p:nvPr/>
         </p:nvPicPr>
         <p:blipFill>
-          <a:blip r:embed="rId3">
+          <a:blip r:embed="rId4">
             <a:extLst>
               <a:ext uri="{28A0092B-C50C-407E-A947-70E740481C1C}">
                 <a14:useLocalDpi xmlns:a14="http://schemas.microsoft.com/office/drawing/2010/main" val="0"/>
@@ -10112,8 +10458,16 @@
               <a:buNone/>
             </a:pPr>
             <a:r>
+              <a:rPr lang="en-US" sz="1600" b="1" dirty="0"/>
+              <a:t>The majority </a:t>
+            </a:r>
+            <a:r>
               <a:rPr lang="en-US" sz="1600" dirty="0"/>
-              <a:t>The majority (66%) of the 9,087 total locations hosting a trial are still recruiting</a:t>
+              <a:t>(66%) of the 9,087 total locations hosting a trial </a:t>
+            </a:r>
+            <a:r>
+              <a:rPr lang="en-US" sz="1600" b="1" dirty="0"/>
+              <a:t>are still recruiting</a:t>
             </a:r>
           </a:p>
         </p:txBody>
@@ -11557,55 +11911,6 @@
             <a:r>
               <a:rPr lang="en-US" sz="1600" b="1" dirty="0"/>
               <a:t>enrollment of less than 1000</a:t>
-            </a:r>
-          </a:p>
-        </p:txBody>
-      </p:sp>
-      <p:sp>
-        <p:nvSpPr>
-          <p:cNvPr id="3" name="Rectangle 2">
-            <a:extLst>
-              <a:ext uri="{FF2B5EF4-FFF2-40B4-BE49-F238E27FC236}">
-                <a16:creationId xmlns:a16="http://schemas.microsoft.com/office/drawing/2014/main" id="{5CAABB96-1695-454F-8A3F-E8812A008DFB}"/>
-              </a:ext>
-            </a:extLst>
-          </p:cNvPr>
-          <p:cNvSpPr/>
-          <p:nvPr/>
-        </p:nvSpPr>
-        <p:spPr>
-          <a:xfrm>
-            <a:off x="-2010401" y="2419349"/>
-            <a:ext cx="1743075" cy="1857375"/>
-          </a:xfrm>
-          <a:prstGeom prst="rect">
-            <a:avLst/>
-          </a:prstGeom>
-        </p:spPr>
-        <p:style>
-          <a:lnRef idx="2">
-            <a:schemeClr val="accent1">
-              <a:shade val="50000"/>
-            </a:schemeClr>
-          </a:lnRef>
-          <a:fillRef idx="1">
-            <a:schemeClr val="accent1"/>
-          </a:fillRef>
-          <a:effectRef idx="0">
-            <a:schemeClr val="accent1"/>
-          </a:effectRef>
-          <a:fontRef idx="minor">
-            <a:schemeClr val="lt1"/>
-          </a:fontRef>
-        </p:style>
-        <p:txBody>
-          <a:bodyPr rtlCol="0" anchor="ctr"/>
-          <a:lstStyle/>
-          <a:p>
-            <a:pPr algn="ctr"/>
-            <a:r>
-              <a:rPr lang="en-US" dirty="0"/>
-              <a:t>Higher resolution version of graph?</a:t>
             </a:r>
           </a:p>
         </p:txBody>
@@ -13146,7 +13451,7 @@
         </p:blipFill>
         <p:spPr>
           <a:xfrm>
-            <a:off x="8012740" y="4007608"/>
+            <a:off x="8012740" y="3969900"/>
             <a:ext cx="352541" cy="352541"/>
           </a:xfrm>
           <a:prstGeom prst="rect">
@@ -13413,7 +13718,7 @@
         </p:blipFill>
         <p:spPr>
           <a:xfrm>
-            <a:off x="7995113" y="4456892"/>
+            <a:off x="7995113" y="4419184"/>
             <a:ext cx="387795" cy="387795"/>
           </a:xfrm>
           <a:prstGeom prst="rect">
@@ -13452,7 +13757,7 @@
         </p:blipFill>
         <p:spPr>
           <a:xfrm>
-            <a:off x="8028764" y="1605768"/>
+            <a:off x="8028764" y="1568060"/>
             <a:ext cx="320492" cy="320492"/>
           </a:xfrm>
           <a:prstGeom prst="rect">
@@ -13491,7 +13796,7 @@
         </p:blipFill>
         <p:spPr>
           <a:xfrm>
-            <a:off x="7995113" y="2083840"/>
+            <a:off x="7995113" y="2046132"/>
             <a:ext cx="387795" cy="387795"/>
           </a:xfrm>
           <a:prstGeom prst="rect">
@@ -13530,7 +13835,7 @@
         </p:blipFill>
         <p:spPr>
           <a:xfrm>
-            <a:off x="8028764" y="2566228"/>
+            <a:off x="8028764" y="2528520"/>
             <a:ext cx="320492" cy="320492"/>
           </a:xfrm>
           <a:prstGeom prst="rect">
@@ -13569,7 +13874,7 @@
         </p:blipFill>
         <p:spPr>
           <a:xfrm>
-            <a:off x="7995113" y="3043719"/>
+            <a:off x="7995113" y="3006011"/>
             <a:ext cx="387795" cy="387795"/>
           </a:xfrm>
           <a:prstGeom prst="rect">
@@ -13608,7 +13913,7 @@
         </p:blipFill>
         <p:spPr>
           <a:xfrm>
-            <a:off x="8028764" y="3524151"/>
+            <a:off x="8028764" y="3486443"/>
             <a:ext cx="320492" cy="320492"/>
           </a:xfrm>
           <a:prstGeom prst="rect">
@@ -13647,7 +13952,7 @@
         </p:blipFill>
         <p:spPr>
           <a:xfrm>
-            <a:off x="8028764" y="5012768"/>
+            <a:off x="8028764" y="4975060"/>
             <a:ext cx="320492" cy="320492"/>
           </a:xfrm>
           <a:prstGeom prst="rect">
@@ -13686,7 +13991,7 @@
         </p:blipFill>
         <p:spPr>
           <a:xfrm>
-            <a:off x="8028764" y="5573153"/>
+            <a:off x="8028764" y="5535445"/>
             <a:ext cx="320492" cy="320492"/>
           </a:xfrm>
           <a:prstGeom prst="rect">
@@ -13694,6 +13999,138 @@
           </a:prstGeom>
         </p:spPr>
       </p:pic>
+      <p:sp>
+        <p:nvSpPr>
+          <p:cNvPr id="34" name="Slide Number Placeholder 3">
+            <a:extLst>
+              <a:ext uri="{FF2B5EF4-FFF2-40B4-BE49-F238E27FC236}">
+                <a16:creationId xmlns:a16="http://schemas.microsoft.com/office/drawing/2014/main" id="{C93B4CC9-CE84-42E3-BC18-4CB9B76B9916}"/>
+              </a:ext>
+            </a:extLst>
+          </p:cNvPr>
+          <p:cNvSpPr txBox="1">
+            <a:spLocks/>
+          </p:cNvSpPr>
+          <p:nvPr/>
+        </p:nvSpPr>
+        <p:spPr>
+          <a:xfrm>
+            <a:off x="6610350" y="6508751"/>
+            <a:ext cx="2057400" cy="365125"/>
+          </a:xfrm>
+          <a:prstGeom prst="rect">
+            <a:avLst/>
+          </a:prstGeom>
+        </p:spPr>
+        <p:txBody>
+          <a:bodyPr vert="horz" lIns="91440" tIns="45720" rIns="91440" bIns="45720" rtlCol="0" anchor="ctr"/>
+          <a:lstStyle>
+            <a:defPPr>
+              <a:defRPr lang="en-US"/>
+            </a:defPPr>
+            <a:lvl1pPr marL="0" algn="r" defTabSz="914400" rtl="0" eaLnBrk="1" latinLnBrk="0" hangingPunct="1">
+              <a:defRPr sz="900" kern="1200">
+                <a:solidFill>
+                  <a:schemeClr val="tx1">
+                    <a:tint val="75000"/>
+                  </a:schemeClr>
+                </a:solidFill>
+                <a:latin typeface="+mn-lt"/>
+                <a:ea typeface="+mn-ea"/>
+                <a:cs typeface="+mn-cs"/>
+              </a:defRPr>
+            </a:lvl1pPr>
+            <a:lvl2pPr marL="457200" algn="l" defTabSz="914400" rtl="0" eaLnBrk="1" latinLnBrk="0" hangingPunct="1">
+              <a:defRPr sz="1800" kern="1200">
+                <a:solidFill>
+                  <a:schemeClr val="tx1"/>
+                </a:solidFill>
+                <a:latin typeface="+mn-lt"/>
+                <a:ea typeface="+mn-ea"/>
+                <a:cs typeface="+mn-cs"/>
+              </a:defRPr>
+            </a:lvl2pPr>
+            <a:lvl3pPr marL="914400" algn="l" defTabSz="914400" rtl="0" eaLnBrk="1" latinLnBrk="0" hangingPunct="1">
+              <a:defRPr sz="1800" kern="1200">
+                <a:solidFill>
+                  <a:schemeClr val="tx1"/>
+                </a:solidFill>
+                <a:latin typeface="+mn-lt"/>
+                <a:ea typeface="+mn-ea"/>
+                <a:cs typeface="+mn-cs"/>
+              </a:defRPr>
+            </a:lvl3pPr>
+            <a:lvl4pPr marL="1371600" algn="l" defTabSz="914400" rtl="0" eaLnBrk="1" latinLnBrk="0" hangingPunct="1">
+              <a:defRPr sz="1800" kern="1200">
+                <a:solidFill>
+                  <a:schemeClr val="tx1"/>
+                </a:solidFill>
+                <a:latin typeface="+mn-lt"/>
+                <a:ea typeface="+mn-ea"/>
+                <a:cs typeface="+mn-cs"/>
+              </a:defRPr>
+            </a:lvl4pPr>
+            <a:lvl5pPr marL="1828800" algn="l" defTabSz="914400" rtl="0" eaLnBrk="1" latinLnBrk="0" hangingPunct="1">
+              <a:defRPr sz="1800" kern="1200">
+                <a:solidFill>
+                  <a:schemeClr val="tx1"/>
+                </a:solidFill>
+                <a:latin typeface="+mn-lt"/>
+                <a:ea typeface="+mn-ea"/>
+                <a:cs typeface="+mn-cs"/>
+              </a:defRPr>
+            </a:lvl5pPr>
+            <a:lvl6pPr marL="2286000" algn="l" defTabSz="914400" rtl="0" eaLnBrk="1" latinLnBrk="0" hangingPunct="1">
+              <a:defRPr sz="1800" kern="1200">
+                <a:solidFill>
+                  <a:schemeClr val="tx1"/>
+                </a:solidFill>
+                <a:latin typeface="+mn-lt"/>
+                <a:ea typeface="+mn-ea"/>
+                <a:cs typeface="+mn-cs"/>
+              </a:defRPr>
+            </a:lvl6pPr>
+            <a:lvl7pPr marL="2743200" algn="l" defTabSz="914400" rtl="0" eaLnBrk="1" latinLnBrk="0" hangingPunct="1">
+              <a:defRPr sz="1800" kern="1200">
+                <a:solidFill>
+                  <a:schemeClr val="tx1"/>
+                </a:solidFill>
+                <a:latin typeface="+mn-lt"/>
+                <a:ea typeface="+mn-ea"/>
+                <a:cs typeface="+mn-cs"/>
+              </a:defRPr>
+            </a:lvl7pPr>
+            <a:lvl8pPr marL="3200400" algn="l" defTabSz="914400" rtl="0" eaLnBrk="1" latinLnBrk="0" hangingPunct="1">
+              <a:defRPr sz="1800" kern="1200">
+                <a:solidFill>
+                  <a:schemeClr val="tx1"/>
+                </a:solidFill>
+                <a:latin typeface="+mn-lt"/>
+                <a:ea typeface="+mn-ea"/>
+                <a:cs typeface="+mn-cs"/>
+              </a:defRPr>
+            </a:lvl8pPr>
+            <a:lvl9pPr marL="3657600" algn="l" defTabSz="914400" rtl="0" eaLnBrk="1" latinLnBrk="0" hangingPunct="1">
+              <a:defRPr sz="1800" kern="1200">
+                <a:solidFill>
+                  <a:schemeClr val="tx1"/>
+                </a:solidFill>
+                <a:latin typeface="+mn-lt"/>
+                <a:ea typeface="+mn-ea"/>
+                <a:cs typeface="+mn-cs"/>
+              </a:defRPr>
+            </a:lvl9pPr>
+          </a:lstStyle>
+          <a:p>
+            <a:fld id="{FD5DA0F0-1D62-4FDB-A121-3187D2513FEB}" type="slidenum">
+              <a:rPr lang="en-US" smtClean="0"/>
+              <a:pPr/>
+              <a:t>19</a:t>
+            </a:fld>
+            <a:endParaRPr lang="en-US"/>
+          </a:p>
+        </p:txBody>
+      </p:sp>
     </p:spTree>
     <p:extLst>
       <p:ext uri="{BB962C8B-B14F-4D97-AF65-F5344CB8AC3E}">
@@ -13832,6 +14269,23 @@
                   <a:schemeClr val="tx1"/>
                 </a:solidFill>
               </a:rPr>
+              <a:t>Data analysis and clean-up process</a:t>
+            </a:r>
+          </a:p>
+          <a:p>
+            <a:pPr marL="457200" indent="-457200">
+              <a:spcAft>
+                <a:spcPts val="600"/>
+              </a:spcAft>
+              <a:buFont typeface="+mj-lt"/>
+              <a:buAutoNum type="arabicPeriod"/>
+            </a:pPr>
+            <a:r>
+              <a:rPr lang="en-US" dirty="0">
+                <a:solidFill>
+                  <a:schemeClr val="tx1"/>
+                </a:solidFill>
+              </a:rPr>
               <a:t>Analysis</a:t>
             </a:r>
           </a:p>
@@ -13975,13 +14429,13 @@
         </p:nvSpPr>
         <p:spPr>
           <a:xfrm>
-            <a:off x="628650" y="1817488"/>
-            <a:ext cx="7886700" cy="3810834"/>
+            <a:off x="628650" y="1440873"/>
+            <a:ext cx="7886700" cy="4608945"/>
           </a:xfrm>
         </p:spPr>
         <p:txBody>
           <a:bodyPr>
-            <a:normAutofit fontScale="92500" lnSpcReduction="10000"/>
+            <a:normAutofit fontScale="92500"/>
           </a:bodyPr>
           <a:lstStyle/>
           <a:p>
@@ -14024,6 +14478,12 @@
             <a:r>
               <a:rPr lang="en-US" sz="1600" dirty="0"/>
               <a:t>How will the impact of Covid-19 impact future trials? As people become more conscious of infectious disease, will there be a shift in demographics, enrollment numbers, trial sponsors, or locations?</a:t>
+            </a:r>
+          </a:p>
+          <a:p>
+            <a:r>
+              <a:rPr lang="en-US" sz="1600" dirty="0"/>
+              <a:t>Perform more validation around the correlation of trial volume and severity of virus outbreak</a:t>
             </a:r>
           </a:p>
           <a:p>
@@ -14105,6 +14565,94 @@
           <p:cNvPr id="2" name="Title 1">
             <a:extLst>
               <a:ext uri="{FF2B5EF4-FFF2-40B4-BE49-F238E27FC236}">
+                <a16:creationId xmlns:a16="http://schemas.microsoft.com/office/drawing/2014/main" id="{ED16C419-F49D-43C7-9981-E30C78D9F161}"/>
+              </a:ext>
+            </a:extLst>
+          </p:cNvPr>
+          <p:cNvSpPr>
+            <a:spLocks noGrp="1"/>
+          </p:cNvSpPr>
+          <p:nvPr>
+            <p:ph type="ctrTitle"/>
+          </p:nvPr>
+        </p:nvSpPr>
+        <p:spPr/>
+        <p:txBody>
+          <a:bodyPr/>
+          <a:lstStyle/>
+          <a:p>
+            <a:r>
+              <a:rPr lang="en-US" dirty="0"/>
+              <a:t>Questions?</a:t>
+            </a:r>
+          </a:p>
+        </p:txBody>
+      </p:sp>
+      <p:sp>
+        <p:nvSpPr>
+          <p:cNvPr id="4" name="Slide Number Placeholder 3">
+            <a:extLst>
+              <a:ext uri="{FF2B5EF4-FFF2-40B4-BE49-F238E27FC236}">
+                <a16:creationId xmlns:a16="http://schemas.microsoft.com/office/drawing/2014/main" id="{CEAE351C-66C1-473B-B857-ECC808D1FAB7}"/>
+              </a:ext>
+            </a:extLst>
+          </p:cNvPr>
+          <p:cNvSpPr>
+            <a:spLocks noGrp="1"/>
+          </p:cNvSpPr>
+          <p:nvPr>
+            <p:ph type="sldNum" sz="quarter" idx="12"/>
+          </p:nvPr>
+        </p:nvSpPr>
+        <p:spPr/>
+        <p:txBody>
+          <a:bodyPr/>
+          <a:lstStyle/>
+          <a:p>
+            <a:fld id="{FD5DA0F0-1D62-4FDB-A121-3187D2513FEB}" type="slidenum">
+              <a:rPr lang="en-US" smtClean="0"/>
+              <a:pPr/>
+              <a:t>21</a:t>
+            </a:fld>
+            <a:endParaRPr lang="en-US"/>
+          </a:p>
+        </p:txBody>
+      </p:sp>
+    </p:spTree>
+    <p:extLst>
+      <p:ext uri="{BB962C8B-B14F-4D97-AF65-F5344CB8AC3E}">
+        <p14:creationId xmlns:p14="http://schemas.microsoft.com/office/powerpoint/2010/main" val="686862282"/>
+      </p:ext>
+    </p:extLst>
+  </p:cSld>
+  <p:clrMapOvr>
+    <a:masterClrMapping/>
+  </p:clrMapOvr>
+</p:sld>
+</file>
+
+<file path=ppt/slides/slide22.xml><?xml version="1.0" encoding="utf-8"?>
+<p:sld xmlns:a="http://schemas.openxmlformats.org/drawingml/2006/main" xmlns:r="http://schemas.openxmlformats.org/officeDocument/2006/relationships" xmlns:p="http://schemas.openxmlformats.org/presentationml/2006/main">
+  <p:cSld>
+    <p:spTree>
+      <p:nvGrpSpPr>
+        <p:cNvPr id="1" name=""/>
+        <p:cNvGrpSpPr/>
+        <p:nvPr/>
+      </p:nvGrpSpPr>
+      <p:grpSpPr>
+        <a:xfrm>
+          <a:off x="0" y="0"/>
+          <a:ext cx="0" cy="0"/>
+          <a:chOff x="0" y="0"/>
+          <a:chExt cx="0" cy="0"/>
+        </a:xfrm>
+      </p:grpSpPr>
+      <p:sp>
+        <p:nvSpPr>
+          <p:cNvPr id="2" name="Title 1">
+            <a:extLst>
+              <a:ext uri="{FF2B5EF4-FFF2-40B4-BE49-F238E27FC236}">
                 <a16:creationId xmlns:a16="http://schemas.microsoft.com/office/drawing/2014/main" id="{38735E37-DB41-4D8A-9E22-9155E97C743E}"/>
               </a:ext>
             </a:extLst>
@@ -14177,7 +14725,7 @@
             <a:fld id="{FD5DA0F0-1D62-4FDB-A121-3187D2513FEB}" type="slidenum">
               <a:rPr lang="en-US" smtClean="0"/>
               <a:pPr/>
-              <a:t>21</a:t>
+              <a:t>22</a:t>
             </a:fld>
             <a:endParaRPr lang="en-US"/>
           </a:p>
@@ -15136,8 +15684,140 @@
             </a:r>
             <a:r>
               <a:rPr lang="en-US" sz="1600" i="1" dirty="0"/>
-              <a:t>: trials related to Covid-19 are broad with a slight focus on respiratory and have grown significantly being conducted in many geographies primarily in developed nations by independent organizations with high collaboration focusing primarily on the study of large patient groups made of elderly patients of all genders</a:t>
-            </a:r>
+              <a:t>: trials related to Covid-19 are broad with a slight focus on respiratory and have grown significantly. These trials are being conducted in many geographies primarily in developed nations by independent organizations with a high degree of collaboration focusing primarily on the study of small groups made up of elderly patients of all genders</a:t>
+            </a:r>
+          </a:p>
+        </p:txBody>
+      </p:sp>
+      <p:sp>
+        <p:nvSpPr>
+          <p:cNvPr id="9" name="Slide Number Placeholder 3">
+            <a:extLst>
+              <a:ext uri="{FF2B5EF4-FFF2-40B4-BE49-F238E27FC236}">
+                <a16:creationId xmlns:a16="http://schemas.microsoft.com/office/drawing/2014/main" id="{07BE348D-EDFE-4A2F-BE0D-A4215D398178}"/>
+              </a:ext>
+            </a:extLst>
+          </p:cNvPr>
+          <p:cNvSpPr txBox="1">
+            <a:spLocks/>
+          </p:cNvSpPr>
+          <p:nvPr/>
+        </p:nvSpPr>
+        <p:spPr>
+          <a:xfrm>
+            <a:off x="6610350" y="6508751"/>
+            <a:ext cx="2057400" cy="365125"/>
+          </a:xfrm>
+          <a:prstGeom prst="rect">
+            <a:avLst/>
+          </a:prstGeom>
+        </p:spPr>
+        <p:txBody>
+          <a:bodyPr vert="horz" lIns="91440" tIns="45720" rIns="91440" bIns="45720" rtlCol="0" anchor="ctr"/>
+          <a:lstStyle>
+            <a:defPPr>
+              <a:defRPr lang="en-US"/>
+            </a:defPPr>
+            <a:lvl1pPr marL="0" algn="r" defTabSz="914400" rtl="0" eaLnBrk="1" latinLnBrk="0" hangingPunct="1">
+              <a:defRPr sz="900" kern="1200">
+                <a:solidFill>
+                  <a:schemeClr val="tx1">
+                    <a:tint val="75000"/>
+                  </a:schemeClr>
+                </a:solidFill>
+                <a:latin typeface="+mn-lt"/>
+                <a:ea typeface="+mn-ea"/>
+                <a:cs typeface="+mn-cs"/>
+              </a:defRPr>
+            </a:lvl1pPr>
+            <a:lvl2pPr marL="457200" algn="l" defTabSz="914400" rtl="0" eaLnBrk="1" latinLnBrk="0" hangingPunct="1">
+              <a:defRPr sz="1800" kern="1200">
+                <a:solidFill>
+                  <a:schemeClr val="tx1"/>
+                </a:solidFill>
+                <a:latin typeface="+mn-lt"/>
+                <a:ea typeface="+mn-ea"/>
+                <a:cs typeface="+mn-cs"/>
+              </a:defRPr>
+            </a:lvl2pPr>
+            <a:lvl3pPr marL="914400" algn="l" defTabSz="914400" rtl="0" eaLnBrk="1" latinLnBrk="0" hangingPunct="1">
+              <a:defRPr sz="1800" kern="1200">
+                <a:solidFill>
+                  <a:schemeClr val="tx1"/>
+                </a:solidFill>
+                <a:latin typeface="+mn-lt"/>
+                <a:ea typeface="+mn-ea"/>
+                <a:cs typeface="+mn-cs"/>
+              </a:defRPr>
+            </a:lvl3pPr>
+            <a:lvl4pPr marL="1371600" algn="l" defTabSz="914400" rtl="0" eaLnBrk="1" latinLnBrk="0" hangingPunct="1">
+              <a:defRPr sz="1800" kern="1200">
+                <a:solidFill>
+                  <a:schemeClr val="tx1"/>
+                </a:solidFill>
+                <a:latin typeface="+mn-lt"/>
+                <a:ea typeface="+mn-ea"/>
+                <a:cs typeface="+mn-cs"/>
+              </a:defRPr>
+            </a:lvl4pPr>
+            <a:lvl5pPr marL="1828800" algn="l" defTabSz="914400" rtl="0" eaLnBrk="1" latinLnBrk="0" hangingPunct="1">
+              <a:defRPr sz="1800" kern="1200">
+                <a:solidFill>
+                  <a:schemeClr val="tx1"/>
+                </a:solidFill>
+                <a:latin typeface="+mn-lt"/>
+                <a:ea typeface="+mn-ea"/>
+                <a:cs typeface="+mn-cs"/>
+              </a:defRPr>
+            </a:lvl5pPr>
+            <a:lvl6pPr marL="2286000" algn="l" defTabSz="914400" rtl="0" eaLnBrk="1" latinLnBrk="0" hangingPunct="1">
+              <a:defRPr sz="1800" kern="1200">
+                <a:solidFill>
+                  <a:schemeClr val="tx1"/>
+                </a:solidFill>
+                <a:latin typeface="+mn-lt"/>
+                <a:ea typeface="+mn-ea"/>
+                <a:cs typeface="+mn-cs"/>
+              </a:defRPr>
+            </a:lvl6pPr>
+            <a:lvl7pPr marL="2743200" algn="l" defTabSz="914400" rtl="0" eaLnBrk="1" latinLnBrk="0" hangingPunct="1">
+              <a:defRPr sz="1800" kern="1200">
+                <a:solidFill>
+                  <a:schemeClr val="tx1"/>
+                </a:solidFill>
+                <a:latin typeface="+mn-lt"/>
+                <a:ea typeface="+mn-ea"/>
+                <a:cs typeface="+mn-cs"/>
+              </a:defRPr>
+            </a:lvl7pPr>
+            <a:lvl8pPr marL="3200400" algn="l" defTabSz="914400" rtl="0" eaLnBrk="1" latinLnBrk="0" hangingPunct="1">
+              <a:defRPr sz="1800" kern="1200">
+                <a:solidFill>
+                  <a:schemeClr val="tx1"/>
+                </a:solidFill>
+                <a:latin typeface="+mn-lt"/>
+                <a:ea typeface="+mn-ea"/>
+                <a:cs typeface="+mn-cs"/>
+              </a:defRPr>
+            </a:lvl8pPr>
+            <a:lvl9pPr marL="3657600" algn="l" defTabSz="914400" rtl="0" eaLnBrk="1" latinLnBrk="0" hangingPunct="1">
+              <a:defRPr sz="1800" kern="1200">
+                <a:solidFill>
+                  <a:schemeClr val="tx1"/>
+                </a:solidFill>
+                <a:latin typeface="+mn-lt"/>
+                <a:ea typeface="+mn-ea"/>
+                <a:cs typeface="+mn-cs"/>
+              </a:defRPr>
+            </a:lvl9pPr>
+          </a:lstStyle>
+          <a:p>
+            <a:fld id="{FD5DA0F0-1D62-4FDB-A121-3187D2513FEB}" type="slidenum">
+              <a:rPr lang="en-US" smtClean="0"/>
+              <a:pPr/>
+              <a:t>3</a:t>
+            </a:fld>
+            <a:endParaRPr lang="en-US"/>
           </a:p>
         </p:txBody>
       </p:sp>
@@ -15233,7 +15913,7 @@
         </p:spPr>
         <p:txBody>
           <a:bodyPr>
-            <a:normAutofit lnSpcReduction="10000"/>
+            <a:normAutofit/>
           </a:bodyPr>
           <a:lstStyle/>
           <a:p>
@@ -15241,19 +15921,19 @@
               <a:buNone/>
             </a:pPr>
             <a:r>
-              <a:rPr lang="en-US" sz="1600" b="1" dirty="0"/>
+              <a:rPr lang="en-US" sz="1800" b="1" dirty="0"/>
               <a:t>Data source -</a:t>
             </a:r>
           </a:p>
           <a:p>
             <a:r>
-              <a:rPr lang="en-US" sz="1600" dirty="0"/>
+              <a:rPr lang="en-US" sz="1800" dirty="0"/>
               <a:t>Due to a 1997 regulation, the National Institute of Health is required to make clinical trial data public</a:t>
             </a:r>
           </a:p>
           <a:p>
             <a:r>
-              <a:rPr lang="en-US" sz="1600" dirty="0"/>
+              <a:rPr lang="en-US" sz="1800" dirty="0"/>
               <a:t>In the year 2000 the ClinicalTrials.gov site was launched and an API was launched in 2011</a:t>
             </a:r>
           </a:p>
@@ -15261,20 +15941,26 @@
             <a:pPr marL="0" indent="0">
               <a:buNone/>
             </a:pPr>
-            <a:r>
-              <a:rPr lang="en-US" sz="1600" b="1" dirty="0"/>
+            <a:endParaRPr lang="en-US" sz="1800" dirty="0"/>
+          </a:p>
+          <a:p>
+            <a:pPr marL="0" indent="0">
+              <a:buNone/>
+            </a:pPr>
+            <a:r>
+              <a:rPr lang="en-US" sz="1800" b="1" dirty="0"/>
               <a:t>Using the API - </a:t>
             </a:r>
           </a:p>
           <a:p>
             <a:r>
-              <a:rPr lang="en-US" sz="1600" dirty="0"/>
+              <a:rPr lang="en-US" sz="1800" dirty="0"/>
               <a:t>Made several queries from the database using “keyword” field to drive filtering of data</a:t>
             </a:r>
           </a:p>
           <a:p>
             <a:r>
-              <a:rPr lang="en-US" sz="1600" dirty="0"/>
+              <a:rPr lang="en-US" sz="1800" dirty="0"/>
               <a:t>The keywords we selected were:</a:t>
             </a:r>
           </a:p>
@@ -15284,7 +15970,7 @@
               <a:buChar char="‒"/>
             </a:pPr>
             <a:r>
-              <a:rPr lang="en-US" sz="1600" dirty="0"/>
+              <a:rPr lang="en-US" dirty="0"/>
               <a:t>“COVID-19”</a:t>
             </a:r>
           </a:p>
@@ -15294,53 +15980,8 @@
               <a:buChar char="‒"/>
             </a:pPr>
             <a:r>
-              <a:rPr lang="en-US" sz="1600" dirty="0"/>
-              <a:t>“SARS-Cov-2”</a:t>
-            </a:r>
-          </a:p>
-          <a:p>
-            <a:pPr lvl="1">
-              <a:buFont typeface="Calibri" panose="020F0502020204030204" pitchFamily="34" charset="0"/>
-              <a:buChar char="‒"/>
-            </a:pPr>
-            <a:r>
-              <a:rPr lang="en-US" sz="1600" dirty="0"/>
+              <a:rPr lang="en-US" dirty="0"/>
               <a:t>“Coronavirus”</a:t>
-            </a:r>
-          </a:p>
-          <a:p>
-            <a:pPr lvl="1">
-              <a:buFont typeface="Calibri" panose="020F0502020204030204" pitchFamily="34" charset="0"/>
-              <a:buChar char="‒"/>
-            </a:pPr>
-            <a:r>
-              <a:rPr lang="en-US" sz="1600" dirty="0"/>
-              <a:t>“Covid-19”</a:t>
-            </a:r>
-          </a:p>
-          <a:p>
-            <a:pPr lvl="1">
-              <a:buFont typeface="Calibri" panose="020F0502020204030204" pitchFamily="34" charset="0"/>
-              <a:buChar char="‒"/>
-            </a:pPr>
-            <a:r>
-              <a:rPr lang="en-US" sz="1600" dirty="0"/>
-              <a:t>“ARDS”</a:t>
-            </a:r>
-          </a:p>
-          <a:p>
-            <a:pPr marL="0" indent="0">
-              <a:buNone/>
-            </a:pPr>
-            <a:r>
-              <a:rPr lang="en-US" sz="1600" b="1" dirty="0"/>
-              <a:t>Next step – </a:t>
-            </a:r>
-          </a:p>
-          <a:p>
-            <a:r>
-              <a:rPr lang="en-US" sz="1600" dirty="0"/>
-              <a:t>Once we had collected the data, we needed to consolidate and clean the data </a:t>
             </a:r>
           </a:p>
         </p:txBody>
@@ -15402,55 +16043,6 @@
               <a:t>4</a:t>
             </a:fld>
             <a:endParaRPr lang="en-US"/>
-          </a:p>
-        </p:txBody>
-      </p:sp>
-      <p:sp>
-        <p:nvSpPr>
-          <p:cNvPr id="10" name="Rectangle 9">
-            <a:extLst>
-              <a:ext uri="{FF2B5EF4-FFF2-40B4-BE49-F238E27FC236}">
-                <a16:creationId xmlns:a16="http://schemas.microsoft.com/office/drawing/2014/main" id="{7A3D8A79-BF18-46C0-BF1F-0EAE0791FF1E}"/>
-              </a:ext>
-            </a:extLst>
-          </p:cNvPr>
-          <p:cNvSpPr/>
-          <p:nvPr/>
-        </p:nvSpPr>
-        <p:spPr>
-          <a:xfrm>
-            <a:off x="-2283734" y="1819373"/>
-            <a:ext cx="2123478" cy="3456136"/>
-          </a:xfrm>
-          <a:prstGeom prst="rect">
-            <a:avLst/>
-          </a:prstGeom>
-        </p:spPr>
-        <p:style>
-          <a:lnRef idx="2">
-            <a:schemeClr val="accent1">
-              <a:shade val="50000"/>
-            </a:schemeClr>
-          </a:lnRef>
-          <a:fillRef idx="1">
-            <a:schemeClr val="accent1"/>
-          </a:fillRef>
-          <a:effectRef idx="0">
-            <a:schemeClr val="accent1"/>
-          </a:effectRef>
-          <a:fontRef idx="minor">
-            <a:schemeClr val="lt1"/>
-          </a:fontRef>
-        </p:style>
-        <p:txBody>
-          <a:bodyPr rtlCol="0" anchor="ctr"/>
-          <a:lstStyle/>
-          <a:p>
-            <a:pPr algn="ctr"/>
-            <a:r>
-              <a:rPr lang="en-US" dirty="0"/>
-              <a:t>RG comment: may need to adjust the keywords section</a:t>
-            </a:r>
           </a:p>
         </p:txBody>
       </p:sp>
@@ -15594,90 +16186,87 @@
         </p:nvSpPr>
         <p:spPr>
           <a:xfrm>
-            <a:off x="628650" y="1825625"/>
-            <a:ext cx="3764241" cy="4351338"/>
+            <a:off x="628650" y="1439641"/>
+            <a:ext cx="3764241" cy="4916710"/>
           </a:xfrm>
         </p:spPr>
         <p:txBody>
-          <a:bodyPr/>
+          <a:bodyPr>
+            <a:normAutofit/>
+          </a:bodyPr>
           <a:lstStyle/>
           <a:p>
             <a:pPr marL="0" indent="0">
               <a:buNone/>
             </a:pPr>
             <a:r>
-              <a:rPr lang="en-US" dirty="0"/>
-              <a:t>Using </a:t>
-            </a:r>
-            <a:r>
-              <a:rPr lang="en-US" dirty="0" err="1"/>
-              <a:t>ClinicalTrials.gov’s</a:t>
-            </a:r>
-            <a:r>
-              <a:rPr lang="en-US" dirty="0"/>
-              <a:t> API we queried data</a:t>
+              <a:rPr lang="en-US" sz="1600" b="1" dirty="0"/>
+              <a:t>ClinicalTrials.gov source data:</a:t>
+            </a:r>
+          </a:p>
+          <a:p>
+            <a:pPr>
+              <a:buFontTx/>
+              <a:buChar char="-"/>
+            </a:pPr>
+            <a:r>
+              <a:rPr lang="en-US" sz="1600" dirty="0"/>
+              <a:t>A wealth of data exists in fields on the clinical trial website</a:t>
+            </a:r>
+          </a:p>
+          <a:p>
+            <a:pPr>
+              <a:buFontTx/>
+              <a:buChar char="-"/>
+            </a:pPr>
+            <a:r>
+              <a:rPr lang="en-US" sz="1600" dirty="0"/>
+              <a:t>Much of the data is not very standardized nor easy to interpret without background in clinical research</a:t>
+            </a:r>
+          </a:p>
+          <a:p>
+            <a:pPr>
+              <a:buFontTx/>
+              <a:buChar char="-"/>
+            </a:pPr>
+            <a:r>
+              <a:rPr lang="en-US" sz="1600" dirty="0"/>
+              <a:t>Definitions for fields were provided on ClinicalTrials.gov which provide guidance on which fields were relevant</a:t>
             </a:r>
           </a:p>
           <a:p>
             <a:pPr marL="0" indent="0">
               <a:buNone/>
             </a:pPr>
-            <a:endParaRPr lang="en-US" dirty="0"/>
+            <a:endParaRPr lang="en-US" sz="1600" dirty="0"/>
           </a:p>
           <a:p>
             <a:pPr marL="0" indent="0">
               <a:buNone/>
             </a:pPr>
             <a:r>
-              <a:rPr lang="en-US" dirty="0"/>
-              <a:t>In an effort to limit the scope of the project we used the following methods:</a:t>
-            </a:r>
-          </a:p>
-          <a:p>
-            <a:r>
-              <a:rPr lang="en-US" dirty="0"/>
-              <a:t>Reducing by keywords:</a:t>
-            </a:r>
-          </a:p>
-          <a:p>
-            <a:pPr lvl="1"/>
-            <a:r>
-              <a:rPr lang="en-US" dirty="0"/>
-              <a:t>“COVID-19”</a:t>
-            </a:r>
-          </a:p>
-          <a:p>
-            <a:pPr lvl="1"/>
-            <a:r>
-              <a:rPr lang="en-US" dirty="0"/>
-              <a:t>“SARS-Cov-2”</a:t>
-            </a:r>
-          </a:p>
-          <a:p>
-            <a:pPr lvl="1"/>
-            <a:r>
-              <a:rPr lang="en-US" dirty="0"/>
-              <a:t>“Coronavirus”</a:t>
-            </a:r>
-          </a:p>
-          <a:p>
-            <a:pPr lvl="1"/>
-            <a:r>
-              <a:rPr lang="en-US" dirty="0"/>
-              <a:t>“Covid-19”</a:t>
-            </a:r>
-          </a:p>
-          <a:p>
-            <a:pPr lvl="1"/>
-            <a:r>
-              <a:rPr lang="en-US" dirty="0"/>
-              <a:t>“ARDS”</a:t>
-            </a:r>
-          </a:p>
-          <a:p>
-            <a:r>
-              <a:rPr lang="en-US" dirty="0"/>
-              <a:t>Searching for trials</a:t>
+              <a:rPr lang="en-US" sz="1600" b="1" dirty="0"/>
+              <a:t>Cleaning the data:</a:t>
+            </a:r>
+          </a:p>
+          <a:p>
+            <a:pPr>
+              <a:buFontTx/>
+              <a:buChar char="-"/>
+            </a:pPr>
+            <a:r>
+              <a:rPr lang="en-US" sz="1600" dirty="0"/>
+              <a:t>Data existed in list formats with one trial containing many keywords, cities, counties, age groups, etc.</a:t>
+            </a:r>
+          </a:p>
+          <a:p>
+            <a:pPr>
+              <a:buFontTx/>
+              <a:buChar char="-"/>
+            </a:pPr>
+            <a:r>
+              <a:rPr lang="en-US" sz="1600" dirty="0"/>
+              <a:t>We broke apart these lists into various data frames to understand how individual elements, such as countries, relates to clinical trials</a:t>
             </a:r>
           </a:p>
         </p:txBody>
@@ -15712,55 +16301,64 @@
           </a:p>
         </p:txBody>
       </p:sp>
-      <p:sp>
-        <p:nvSpPr>
-          <p:cNvPr id="8" name="Rectangle 7">
-            <a:extLst>
-              <a:ext uri="{FF2B5EF4-FFF2-40B4-BE49-F238E27FC236}">
-                <a16:creationId xmlns:a16="http://schemas.microsoft.com/office/drawing/2014/main" id="{4E1260C3-E016-43B7-8880-1C872D8164E3}"/>
-              </a:ext>
-            </a:extLst>
-          </p:cNvPr>
-          <p:cNvSpPr/>
+      <p:pic>
+        <p:nvPicPr>
+          <p:cNvPr id="6" name="Picture 5">
+            <a:extLst>
+              <a:ext uri="{FF2B5EF4-FFF2-40B4-BE49-F238E27FC236}">
+                <a16:creationId xmlns:a16="http://schemas.microsoft.com/office/drawing/2014/main" id="{92D1A8CD-89C1-416A-842A-A038513C4392}"/>
+              </a:ext>
+            </a:extLst>
+          </p:cNvPr>
+          <p:cNvPicPr>
+            <a:picLocks noChangeAspect="1"/>
+          </p:cNvPicPr>
           <p:nvPr/>
-        </p:nvSpPr>
+        </p:nvPicPr>
+        <p:blipFill rotWithShape="1">
+          <a:blip r:embed="rId2"/>
+          <a:srcRect b="15826"/>
+          <a:stretch/>
+        </p:blipFill>
         <p:spPr>
           <a:xfrm>
-            <a:off x="-2283734" y="1819373"/>
-            <a:ext cx="2123478" cy="3456136"/>
+            <a:off x="4787273" y="1291473"/>
+            <a:ext cx="3668495" cy="2840511"/>
           </a:xfrm>
           <a:prstGeom prst="rect">
             <a:avLst/>
           </a:prstGeom>
         </p:spPr>
-        <p:style>
-          <a:lnRef idx="2">
-            <a:schemeClr val="accent1">
-              <a:shade val="50000"/>
-            </a:schemeClr>
-          </a:lnRef>
-          <a:fillRef idx="1">
-            <a:schemeClr val="accent1"/>
-          </a:fillRef>
-          <a:effectRef idx="0">
-            <a:schemeClr val="accent1"/>
-          </a:effectRef>
-          <a:fontRef idx="minor">
-            <a:schemeClr val="lt1"/>
-          </a:fontRef>
-        </p:style>
-        <p:txBody>
-          <a:bodyPr rtlCol="0" anchor="ctr"/>
-          <a:lstStyle/>
-          <a:p>
-            <a:pPr algn="ctr"/>
-            <a:r>
-              <a:rPr lang="en-US" dirty="0"/>
-              <a:t>Work in progress</a:t>
-            </a:r>
-          </a:p>
-        </p:txBody>
-      </p:sp>
+      </p:pic>
+      <p:pic>
+        <p:nvPicPr>
+          <p:cNvPr id="9" name="Picture 8">
+            <a:extLst>
+              <a:ext uri="{FF2B5EF4-FFF2-40B4-BE49-F238E27FC236}">
+                <a16:creationId xmlns:a16="http://schemas.microsoft.com/office/drawing/2014/main" id="{1A0EDE72-65E8-45A6-B786-8A8514DACD1B}"/>
+              </a:ext>
+            </a:extLst>
+          </p:cNvPr>
+          <p:cNvPicPr>
+            <a:picLocks noChangeAspect="1"/>
+          </p:cNvPicPr>
+          <p:nvPr/>
+        </p:nvPicPr>
+        <p:blipFill rotWithShape="1">
+          <a:blip r:embed="rId3"/>
+          <a:srcRect r="7135"/>
+          <a:stretch/>
+        </p:blipFill>
+        <p:spPr>
+          <a:xfrm>
+            <a:off x="4392891" y="4309362"/>
+            <a:ext cx="4457261" cy="1932294"/>
+          </a:xfrm>
+          <a:prstGeom prst="rect">
+            <a:avLst/>
+          </a:prstGeom>
+        </p:spPr>
+      </p:pic>
     </p:spTree>
     <p:extLst>
       <p:ext uri="{BB962C8B-B14F-4D97-AF65-F5344CB8AC3E}">
@@ -16107,6 +16705,41 @@
               <a:rPr lang="en-US" i="1" dirty="0"/>
               <a:t>: Due to its impact towards the respiratory system, respiratory related terms will have the greatest yield of keyword results</a:t>
             </a:r>
+          </a:p>
+        </p:txBody>
+      </p:sp>
+      <p:sp>
+        <p:nvSpPr>
+          <p:cNvPr id="17" name="Slide Number Placeholder 3">
+            <a:extLst>
+              <a:ext uri="{FF2B5EF4-FFF2-40B4-BE49-F238E27FC236}">
+                <a16:creationId xmlns:a16="http://schemas.microsoft.com/office/drawing/2014/main" id="{3A7323A4-9D5E-4094-807C-60EFD63454B8}"/>
+              </a:ext>
+            </a:extLst>
+          </p:cNvPr>
+          <p:cNvSpPr>
+            <a:spLocks noGrp="1"/>
+          </p:cNvSpPr>
+          <p:nvPr>
+            <p:ph type="sldNum" sz="quarter" idx="12"/>
+          </p:nvPr>
+        </p:nvSpPr>
+        <p:spPr>
+          <a:xfrm>
+            <a:off x="6457950" y="6356351"/>
+            <a:ext cx="2057400" cy="365125"/>
+          </a:xfrm>
+        </p:spPr>
+        <p:txBody>
+          <a:bodyPr/>
+          <a:lstStyle/>
+          <a:p>
+            <a:fld id="{FD5DA0F0-1D62-4FDB-A121-3187D2513FEB}" type="slidenum">
+              <a:rPr lang="en-US" smtClean="0"/>
+              <a:pPr/>
+              <a:t>6</a:t>
+            </a:fld>
+            <a:endParaRPr lang="en-US"/>
           </a:p>
         </p:txBody>
       </p:sp>
@@ -16819,7 +17452,7 @@
           </p:cNvPicPr>
           <p:nvPr/>
         </p:nvPicPr>
-        <p:blipFill>
+        <p:blipFill rotWithShape="1">
           <a:blip r:embed="rId2">
             <a:extLst>
               <a:ext uri="{28A0092B-C50C-407E-A947-70E740481C1C}">
@@ -16827,14 +17460,13 @@
               </a:ext>
             </a:extLst>
           </a:blip>
-          <a:stretch>
-            <a:fillRect/>
-          </a:stretch>
+          <a:srcRect b="2136"/>
+          <a:stretch/>
         </p:blipFill>
         <p:spPr>
           <a:xfrm>
-            <a:off x="5280717" y="2255995"/>
-            <a:ext cx="3234632" cy="3274636"/>
+            <a:off x="5138171" y="2010827"/>
+            <a:ext cx="3670550" cy="3636558"/>
           </a:xfrm>
           <a:prstGeom prst="rect">
             <a:avLst/>
@@ -16940,7 +17572,7 @@
             </a:r>
             <a:r>
               <a:rPr lang="en-US" i="1" dirty="0"/>
-              <a:t>: Due to its impact towards the respiratory system, respiratory related terms will have the greatest yield of keyword results</a:t>
+              <a:t>: Due to its impact towards the respiratory system, terms related to the respiratory will have the greatest yield of keyword results</a:t>
             </a:r>
           </a:p>
         </p:txBody>
@@ -16960,7 +17592,7 @@
         <p:spPr>
           <a:xfrm>
             <a:off x="628649" y="5683091"/>
-            <a:ext cx="7886700" cy="923330"/>
+            <a:ext cx="7886700" cy="646331"/>
           </a:xfrm>
           <a:prstGeom prst="rect">
             <a:avLst/>
@@ -16981,7 +17613,7 @@
             </a:r>
             <a:r>
               <a:rPr lang="en-US" i="1" dirty="0"/>
-              <a:t>: The data has proven to be greatly skewed towards trials related to ARDS, Pneumonia, and Hydroxychloroquine which are related to the respiratory system</a:t>
+              <a:t>: The data has proven to be greatly skewed towards trials related to ARDS and Pneumonia which are related to the respiratory system</a:t>
             </a:r>
           </a:p>
         </p:txBody>
